--- a/architecture/Discovery Workflow.pptx
+++ b/architecture/Discovery Workflow.pptx
@@ -16,6 +16,7 @@
     <p:sldId id="260" r:id="rId9"/>
     <p:sldId id="261" r:id="rId10"/>
     <p:sldId id="262" r:id="rId11"/>
+    <p:sldId id="263" r:id="rId12"/>
   </p:sldIdLst>
   <p:sldSz cx="10080625" cy="5670550"/>
   <p:notesSz cx="7559675" cy="10691813"/>
@@ -372,7 +373,7 @@
             <a:pPr indent="0" algn="r">
               <a:buNone/>
             </a:pPr>
-            <a:fld id="{64E63027-B2A8-4241-B2DD-EE78AC0BBEBA}" type="slidenum">
+            <a:fld id="{E6FDEC37-A197-4631-9A3F-77F21A397754}" type="slidenum">
               <a:rPr b="0" lang="en-AU" sz="1400" strike="noStrike" u="none">
                 <a:solidFill>
                   <a:srgbClr val="000000"/>
@@ -401,306 +402,6 @@
 </file>
 
 <file path=ppt/notesSlides/notesSlide2.xml><?xml version="1.0" encoding="utf-8"?>
-<p:notes xmlns:a="http://schemas.openxmlformats.org/drawingml/2006/main" xmlns:p="http://schemas.openxmlformats.org/presentationml/2006/main" xmlns:r="http://schemas.openxmlformats.org/officeDocument/2006/relationships" xmlns:p14="http://schemas.microsoft.com/office/powerpoint/2010/main" xmlns:p15="http://schemas.microsoft.com/office/powerpoint/2012/main" xmlns:mc="http://schemas.openxmlformats.org/markup-compatibility/2006">
-  <p:cSld>
-    <p:spTree>
-      <p:nvGrpSpPr>
-        <p:cNvPr id="1" name=""/>
-        <p:cNvGrpSpPr/>
-        <p:nvPr/>
-      </p:nvGrpSpPr>
-      <p:grpSpPr>
-        <a:xfrm>
-          <a:off x="0" y="0"/>
-          <a:ext cx="0" cy="0"/>
-          <a:chOff x="0" y="0"/>
-          <a:chExt cx="0" cy="0"/>
-        </a:xfrm>
-      </p:grpSpPr>
-      <p:sp>
-        <p:nvSpPr>
-          <p:cNvPr id="51" name="PlaceHolder 1"/>
-          <p:cNvSpPr>
-            <a:spLocks noGrp="1"/>
-          </p:cNvSpPr>
-          <p:nvPr>
-            <p:ph type="sldImg"/>
-          </p:nvPr>
-        </p:nvSpPr>
-        <p:spPr>
-          <a:xfrm>
-            <a:off x="216000" y="812520"/>
-            <a:ext cx="7125480" cy="4007160"/>
-          </a:xfrm>
-          <a:prstGeom prst="rect">
-            <a:avLst/>
-          </a:prstGeom>
-          <a:ln w="0">
-            <a:noFill/>
-          </a:ln>
-        </p:spPr>
-      </p:sp>
-      <p:sp>
-        <p:nvSpPr>
-          <p:cNvPr id="52" name="PlaceHolder 2"/>
-          <p:cNvSpPr>
-            <a:spLocks noGrp="1"/>
-          </p:cNvSpPr>
-          <p:nvPr>
-            <p:ph type="body"/>
-          </p:nvPr>
-        </p:nvSpPr>
-        <p:spPr>
-          <a:xfrm>
-            <a:off x="756000" y="5078520"/>
-            <a:ext cx="6045840" cy="4809240"/>
-          </a:xfrm>
-          <a:prstGeom prst="rect">
-            <a:avLst/>
-          </a:prstGeom>
-          <a:noFill/>
-          <a:ln w="0">
-            <a:noFill/>
-          </a:ln>
-        </p:spPr>
-        <p:txBody>
-          <a:bodyPr lIns="0" rIns="0" tIns="0" bIns="0" anchor="t">
-            <a:noAutofit/>
-          </a:bodyPr>
-          <a:p>
-            <a:pPr indent="0">
-              <a:lnSpc>
-                <a:spcPct val="100000"/>
-              </a:lnSpc>
-              <a:buNone/>
-              <a:tabLst>
-                <a:tab algn="l" pos="0"/>
-              </a:tabLst>
-            </a:pPr>
-            <a:r>
-              <a:rPr b="0" lang="en-AU" sz="2000" strike="noStrike" u="none">
-                <a:solidFill>
-                  <a:srgbClr val="000000"/>
-                </a:solidFill>
-                <a:effectLst/>
-                <a:uFillTx/>
-                <a:latin typeface="Arial"/>
-              </a:rPr>
-              <a:t>Large Language Models allow to replace mundane text generation with automation. This can lead to reduction in labour expenses and increase in profitability.</a:t>
-            </a:r>
-            <a:endParaRPr b="0" lang="en-AU" sz="2000" strike="noStrike" u="none">
-              <a:solidFill>
-                <a:srgbClr val="000000"/>
-              </a:solidFill>
-              <a:effectLst/>
-              <a:uFillTx/>
-              <a:latin typeface="Arial"/>
-            </a:endParaRPr>
-          </a:p>
-          <a:p>
-            <a:pPr indent="0">
-              <a:lnSpc>
-                <a:spcPct val="100000"/>
-              </a:lnSpc>
-              <a:buNone/>
-              <a:tabLst>
-                <a:tab algn="l" pos="0"/>
-              </a:tabLst>
-            </a:pPr>
-            <a:endParaRPr b="0" lang="en-AU" sz="2000" strike="noStrike" u="none">
-              <a:solidFill>
-                <a:srgbClr val="000000"/>
-              </a:solidFill>
-              <a:effectLst/>
-              <a:uFillTx/>
-              <a:latin typeface="Arial"/>
-            </a:endParaRPr>
-          </a:p>
-          <a:p>
-            <a:pPr indent="0">
-              <a:lnSpc>
-                <a:spcPct val="100000"/>
-              </a:lnSpc>
-              <a:buNone/>
-              <a:tabLst>
-                <a:tab algn="l" pos="0"/>
-              </a:tabLst>
-            </a:pPr>
-            <a:r>
-              <a:rPr b="0" lang="en-AU" sz="2000" strike="noStrike" u="none">
-                <a:solidFill>
-                  <a:srgbClr val="000000"/>
-                </a:solidFill>
-                <a:effectLst/>
-                <a:uFillTx/>
-                <a:latin typeface="Arial"/>
-              </a:rPr>
-              <a:t>Incorporating LLMs require changes in business process.</a:t>
-            </a:r>
-            <a:endParaRPr b="0" lang="en-AU" sz="2000" strike="noStrike" u="none">
-              <a:solidFill>
-                <a:srgbClr val="000000"/>
-              </a:solidFill>
-              <a:effectLst/>
-              <a:uFillTx/>
-              <a:latin typeface="Arial"/>
-            </a:endParaRPr>
-          </a:p>
-          <a:p>
-            <a:pPr indent="0">
-              <a:lnSpc>
-                <a:spcPct val="100000"/>
-              </a:lnSpc>
-              <a:buNone/>
-              <a:tabLst>
-                <a:tab algn="l" pos="0"/>
-              </a:tabLst>
-            </a:pPr>
-            <a:endParaRPr b="0" lang="en-AU" sz="2000" strike="noStrike" u="none">
-              <a:solidFill>
-                <a:srgbClr val="000000"/>
-              </a:solidFill>
-              <a:effectLst/>
-              <a:uFillTx/>
-              <a:latin typeface="Arial"/>
-            </a:endParaRPr>
-          </a:p>
-          <a:p>
-            <a:pPr indent="0">
-              <a:lnSpc>
-                <a:spcPct val="100000"/>
-              </a:lnSpc>
-              <a:buNone/>
-              <a:tabLst>
-                <a:tab algn="l" pos="0"/>
-              </a:tabLst>
-            </a:pPr>
-            <a:r>
-              <a:rPr b="0" lang="en-AU" sz="2000" strike="noStrike" u="none">
-                <a:solidFill>
-                  <a:srgbClr val="000000"/>
-                </a:solidFill>
-                <a:effectLst/>
-                <a:uFillTx/>
-                <a:latin typeface="Arial"/>
-              </a:rPr>
-              <a:t>Every company have access to LLMs trained on public data. Therefore, the knowledge of public data is not a competitive advantage. Only private data gives advantage.</a:t>
-            </a:r>
-            <a:endParaRPr b="0" lang="en-AU" sz="2000" strike="noStrike" u="none">
-              <a:solidFill>
-                <a:srgbClr val="000000"/>
-              </a:solidFill>
-              <a:effectLst/>
-              <a:uFillTx/>
-              <a:latin typeface="Arial"/>
-            </a:endParaRPr>
-          </a:p>
-          <a:p>
-            <a:pPr indent="0">
-              <a:lnSpc>
-                <a:spcPct val="100000"/>
-              </a:lnSpc>
-              <a:buNone/>
-              <a:tabLst>
-                <a:tab algn="l" pos="0"/>
-              </a:tabLst>
-            </a:pPr>
-            <a:endParaRPr b="0" lang="en-AU" sz="2000" strike="noStrike" u="none">
-              <a:solidFill>
-                <a:srgbClr val="000000"/>
-              </a:solidFill>
-              <a:effectLst/>
-              <a:uFillTx/>
-              <a:latin typeface="Arial"/>
-            </a:endParaRPr>
-          </a:p>
-          <a:p>
-            <a:pPr indent="0">
-              <a:lnSpc>
-                <a:spcPct val="100000"/>
-              </a:lnSpc>
-              <a:buNone/>
-              <a:tabLst>
-                <a:tab algn="l" pos="0"/>
-              </a:tabLst>
-            </a:pPr>
-            <a:r>
-              <a:rPr b="0" lang="en-AU" sz="2000" strike="noStrike" u="none">
-                <a:solidFill>
-                  <a:srgbClr val="000000"/>
-                </a:solidFill>
-                <a:effectLst/>
-                <a:uFillTx/>
-                <a:latin typeface="Arial"/>
-              </a:rPr>
-              <a:t>Investing in LLM workflows should focus on using private data. This gives biggest advantage.</a:t>
-            </a:r>
-            <a:endParaRPr b="0" lang="en-AU" sz="2000" strike="noStrike" u="none">
-              <a:solidFill>
-                <a:srgbClr val="000000"/>
-              </a:solidFill>
-              <a:effectLst/>
-              <a:uFillTx/>
-              <a:latin typeface="Arial"/>
-            </a:endParaRPr>
-          </a:p>
-          <a:p>
-            <a:pPr indent="0">
-              <a:lnSpc>
-                <a:spcPct val="100000"/>
-              </a:lnSpc>
-              <a:buNone/>
-              <a:tabLst>
-                <a:tab algn="l" pos="0"/>
-              </a:tabLst>
-            </a:pPr>
-            <a:endParaRPr b="0" lang="en-AU" sz="2000" strike="noStrike" u="none">
-              <a:solidFill>
-                <a:srgbClr val="000000"/>
-              </a:solidFill>
-              <a:effectLst/>
-              <a:uFillTx/>
-              <a:latin typeface="Arial"/>
-            </a:endParaRPr>
-          </a:p>
-          <a:p>
-            <a:pPr indent="0">
-              <a:lnSpc>
-                <a:spcPct val="100000"/>
-              </a:lnSpc>
-              <a:buNone/>
-              <a:tabLst>
-                <a:tab algn="l" pos="0"/>
-              </a:tabLst>
-            </a:pPr>
-            <a:r>
-              <a:rPr b="0" lang="en-AU" sz="2000" strike="noStrike" u="none">
-                <a:solidFill>
-                  <a:srgbClr val="000000"/>
-                </a:solidFill>
-                <a:effectLst/>
-                <a:uFillTx/>
-                <a:latin typeface="Arial"/>
-              </a:rPr>
-              <a:t>More context – what we try to automate. – context of security work</a:t>
-            </a:r>
-            <a:endParaRPr b="0" lang="en-AU" sz="2000" strike="noStrike" u="none">
-              <a:solidFill>
-                <a:srgbClr val="000000"/>
-              </a:solidFill>
-              <a:effectLst/>
-              <a:uFillTx/>
-              <a:latin typeface="Arial"/>
-            </a:endParaRPr>
-          </a:p>
-        </p:txBody>
-      </p:sp>
-    </p:spTree>
-  </p:cSld>
-</p:notes>
-</file>
-
-<file path=ppt/notesSlides/notesSlide3.xml><?xml version="1.0" encoding="utf-8"?>
 <p:notes xmlns:a="http://schemas.openxmlformats.org/drawingml/2006/main" xmlns:p="http://schemas.openxmlformats.org/presentationml/2006/main" xmlns:r="http://schemas.openxmlformats.org/officeDocument/2006/relationships" xmlns:p14="http://schemas.microsoft.com/office/powerpoint/2010/main" xmlns:p15="http://schemas.microsoft.com/office/powerpoint/2012/main" xmlns:mc="http://schemas.openxmlformats.org/markup-compatibility/2006">
   <p:cSld>
     <p:spTree>
@@ -730,7 +431,7 @@
         <p:spPr>
           <a:xfrm>
             <a:off x="216000" y="812520"/>
-            <a:ext cx="7125480" cy="4007160"/>
+            <a:ext cx="7124040" cy="4005720"/>
           </a:xfrm>
           <a:prstGeom prst="rect">
             <a:avLst/>
@@ -753,7 +454,7 @@
         <p:spPr>
           <a:xfrm>
             <a:off x="756000" y="5078520"/>
-            <a:ext cx="6045840" cy="4809240"/>
+            <a:ext cx="6044400" cy="4807800"/>
           </a:xfrm>
           <a:prstGeom prst="rect">
             <a:avLst/>
@@ -1000,7 +701,7 @@
 </p:notes>
 </file>
 
-<file path=ppt/notesSlides/notesSlide4.xml><?xml version="1.0" encoding="utf-8"?>
+<file path=ppt/notesSlides/notesSlide3.xml><?xml version="1.0" encoding="utf-8"?>
 <p:notes xmlns:a="http://schemas.openxmlformats.org/drawingml/2006/main" xmlns:p="http://schemas.openxmlformats.org/presentationml/2006/main" xmlns:r="http://schemas.openxmlformats.org/officeDocument/2006/relationships" xmlns:p14="http://schemas.microsoft.com/office/powerpoint/2010/main" xmlns:p15="http://schemas.microsoft.com/office/powerpoint/2012/main" xmlns:mc="http://schemas.openxmlformats.org/markup-compatibility/2006">
   <p:cSld>
     <p:spTree>
@@ -1030,7 +731,7 @@
         <p:spPr>
           <a:xfrm>
             <a:off x="216000" y="812520"/>
-            <a:ext cx="7125480" cy="4007160"/>
+            <a:ext cx="7124040" cy="4005720"/>
           </a:xfrm>
           <a:prstGeom prst="rect">
             <a:avLst/>
@@ -1053,7 +754,7 @@
         <p:spPr>
           <a:xfrm>
             <a:off x="756000" y="5078520"/>
-            <a:ext cx="6045840" cy="4809240"/>
+            <a:ext cx="6044400" cy="4807800"/>
           </a:xfrm>
           <a:prstGeom prst="rect">
             <a:avLst/>
@@ -1300,7 +1001,7 @@
 </p:notes>
 </file>
 
-<file path=ppt/notesSlides/notesSlide5.xml><?xml version="1.0" encoding="utf-8"?>
+<file path=ppt/notesSlides/notesSlide4.xml><?xml version="1.0" encoding="utf-8"?>
 <p:notes xmlns:a="http://schemas.openxmlformats.org/drawingml/2006/main" xmlns:p="http://schemas.openxmlformats.org/presentationml/2006/main" xmlns:r="http://schemas.openxmlformats.org/officeDocument/2006/relationships" xmlns:p14="http://schemas.microsoft.com/office/powerpoint/2010/main" xmlns:p15="http://schemas.microsoft.com/office/powerpoint/2012/main" xmlns:mc="http://schemas.openxmlformats.org/markup-compatibility/2006">
   <p:cSld>
     <p:spTree>
@@ -1330,7 +1031,7 @@
         <p:spPr>
           <a:xfrm>
             <a:off x="216000" y="812520"/>
-            <a:ext cx="7125480" cy="4007160"/>
+            <a:ext cx="7124040" cy="4005720"/>
           </a:xfrm>
           <a:prstGeom prst="rect">
             <a:avLst/>
@@ -1353,7 +1054,7 @@
         <p:spPr>
           <a:xfrm>
             <a:off x="756000" y="5078520"/>
-            <a:ext cx="6045840" cy="4809240"/>
+            <a:ext cx="6044400" cy="4807800"/>
           </a:xfrm>
           <a:prstGeom prst="rect">
             <a:avLst/>
@@ -1600,7 +1301,7 @@
 </p:notes>
 </file>
 
-<file path=ppt/notesSlides/notesSlide6.xml><?xml version="1.0" encoding="utf-8"?>
+<file path=ppt/notesSlides/notesSlide5.xml><?xml version="1.0" encoding="utf-8"?>
 <p:notes xmlns:a="http://schemas.openxmlformats.org/drawingml/2006/main" xmlns:p="http://schemas.openxmlformats.org/presentationml/2006/main" xmlns:r="http://schemas.openxmlformats.org/officeDocument/2006/relationships" xmlns:p14="http://schemas.microsoft.com/office/powerpoint/2010/main" xmlns:p15="http://schemas.microsoft.com/office/powerpoint/2012/main" xmlns:mc="http://schemas.openxmlformats.org/markup-compatibility/2006">
   <p:cSld>
     <p:spTree>
@@ -1630,7 +1331,7 @@
         <p:spPr>
           <a:xfrm>
             <a:off x="216000" y="812520"/>
-            <a:ext cx="7125480" cy="4007160"/>
+            <a:ext cx="7124040" cy="4005720"/>
           </a:xfrm>
           <a:prstGeom prst="rect">
             <a:avLst/>
@@ -1653,7 +1354,7 @@
         <p:spPr>
           <a:xfrm>
             <a:off x="756000" y="5078520"/>
-            <a:ext cx="6045840" cy="4809240"/>
+            <a:ext cx="6044400" cy="4807800"/>
           </a:xfrm>
           <a:prstGeom prst="rect">
             <a:avLst/>
@@ -1900,7 +1601,7 @@
 </p:notes>
 </file>
 
-<file path=ppt/notesSlides/notesSlide7.xml><?xml version="1.0" encoding="utf-8"?>
+<file path=ppt/notesSlides/notesSlide6.xml><?xml version="1.0" encoding="utf-8"?>
 <p:notes xmlns:a="http://schemas.openxmlformats.org/drawingml/2006/main" xmlns:p="http://schemas.openxmlformats.org/presentationml/2006/main" xmlns:r="http://schemas.openxmlformats.org/officeDocument/2006/relationships" xmlns:p14="http://schemas.microsoft.com/office/powerpoint/2010/main" xmlns:p15="http://schemas.microsoft.com/office/powerpoint/2012/main" xmlns:mc="http://schemas.openxmlformats.org/markup-compatibility/2006">
   <p:cSld>
     <p:spTree>
@@ -1930,7 +1631,7 @@
         <p:spPr>
           <a:xfrm>
             <a:off x="216000" y="812520"/>
-            <a:ext cx="7125480" cy="4007160"/>
+            <a:ext cx="7124040" cy="4005720"/>
           </a:xfrm>
           <a:prstGeom prst="rect">
             <a:avLst/>
@@ -1953,7 +1654,607 @@
         <p:spPr>
           <a:xfrm>
             <a:off x="756000" y="5078520"/>
-            <a:ext cx="6045840" cy="4809240"/>
+            <a:ext cx="6044400" cy="4807800"/>
+          </a:xfrm>
+          <a:prstGeom prst="rect">
+            <a:avLst/>
+          </a:prstGeom>
+          <a:noFill/>
+          <a:ln w="0">
+            <a:noFill/>
+          </a:ln>
+        </p:spPr>
+        <p:txBody>
+          <a:bodyPr lIns="0" rIns="0" tIns="0" bIns="0" anchor="t">
+            <a:noAutofit/>
+          </a:bodyPr>
+          <a:p>
+            <a:pPr indent="0">
+              <a:lnSpc>
+                <a:spcPct val="100000"/>
+              </a:lnSpc>
+              <a:buNone/>
+              <a:tabLst>
+                <a:tab algn="l" pos="0"/>
+              </a:tabLst>
+            </a:pPr>
+            <a:r>
+              <a:rPr b="0" lang="en-AU" sz="2000" strike="noStrike" u="none">
+                <a:solidFill>
+                  <a:srgbClr val="000000"/>
+                </a:solidFill>
+                <a:effectLst/>
+                <a:uFillTx/>
+                <a:latin typeface="Arial"/>
+              </a:rPr>
+              <a:t>Large Language Models allow to replace mundane text generation with automation. This can lead to reduction in labour expenses and increase in profitability.</a:t>
+            </a:r>
+            <a:endParaRPr b="0" lang="en-AU" sz="2000" strike="noStrike" u="none">
+              <a:solidFill>
+                <a:srgbClr val="000000"/>
+              </a:solidFill>
+              <a:effectLst/>
+              <a:uFillTx/>
+              <a:latin typeface="Arial"/>
+            </a:endParaRPr>
+          </a:p>
+          <a:p>
+            <a:pPr indent="0">
+              <a:lnSpc>
+                <a:spcPct val="100000"/>
+              </a:lnSpc>
+              <a:buNone/>
+              <a:tabLst>
+                <a:tab algn="l" pos="0"/>
+              </a:tabLst>
+            </a:pPr>
+            <a:endParaRPr b="0" lang="en-AU" sz="2000" strike="noStrike" u="none">
+              <a:solidFill>
+                <a:srgbClr val="000000"/>
+              </a:solidFill>
+              <a:effectLst/>
+              <a:uFillTx/>
+              <a:latin typeface="Arial"/>
+            </a:endParaRPr>
+          </a:p>
+          <a:p>
+            <a:pPr indent="0">
+              <a:lnSpc>
+                <a:spcPct val="100000"/>
+              </a:lnSpc>
+              <a:buNone/>
+              <a:tabLst>
+                <a:tab algn="l" pos="0"/>
+              </a:tabLst>
+            </a:pPr>
+            <a:r>
+              <a:rPr b="0" lang="en-AU" sz="2000" strike="noStrike" u="none">
+                <a:solidFill>
+                  <a:srgbClr val="000000"/>
+                </a:solidFill>
+                <a:effectLst/>
+                <a:uFillTx/>
+                <a:latin typeface="Arial"/>
+              </a:rPr>
+              <a:t>Incorporating LLMs require changes in business process.</a:t>
+            </a:r>
+            <a:endParaRPr b="0" lang="en-AU" sz="2000" strike="noStrike" u="none">
+              <a:solidFill>
+                <a:srgbClr val="000000"/>
+              </a:solidFill>
+              <a:effectLst/>
+              <a:uFillTx/>
+              <a:latin typeface="Arial"/>
+            </a:endParaRPr>
+          </a:p>
+          <a:p>
+            <a:pPr indent="0">
+              <a:lnSpc>
+                <a:spcPct val="100000"/>
+              </a:lnSpc>
+              <a:buNone/>
+              <a:tabLst>
+                <a:tab algn="l" pos="0"/>
+              </a:tabLst>
+            </a:pPr>
+            <a:endParaRPr b="0" lang="en-AU" sz="2000" strike="noStrike" u="none">
+              <a:solidFill>
+                <a:srgbClr val="000000"/>
+              </a:solidFill>
+              <a:effectLst/>
+              <a:uFillTx/>
+              <a:latin typeface="Arial"/>
+            </a:endParaRPr>
+          </a:p>
+          <a:p>
+            <a:pPr indent="0">
+              <a:lnSpc>
+                <a:spcPct val="100000"/>
+              </a:lnSpc>
+              <a:buNone/>
+              <a:tabLst>
+                <a:tab algn="l" pos="0"/>
+              </a:tabLst>
+            </a:pPr>
+            <a:r>
+              <a:rPr b="0" lang="en-AU" sz="2000" strike="noStrike" u="none">
+                <a:solidFill>
+                  <a:srgbClr val="000000"/>
+                </a:solidFill>
+                <a:effectLst/>
+                <a:uFillTx/>
+                <a:latin typeface="Arial"/>
+              </a:rPr>
+              <a:t>Every company have access to LLMs trained on public data. Therefore, the knowledge of public data is not a competitive advantage. Only private data gives advantage.</a:t>
+            </a:r>
+            <a:endParaRPr b="0" lang="en-AU" sz="2000" strike="noStrike" u="none">
+              <a:solidFill>
+                <a:srgbClr val="000000"/>
+              </a:solidFill>
+              <a:effectLst/>
+              <a:uFillTx/>
+              <a:latin typeface="Arial"/>
+            </a:endParaRPr>
+          </a:p>
+          <a:p>
+            <a:pPr indent="0">
+              <a:lnSpc>
+                <a:spcPct val="100000"/>
+              </a:lnSpc>
+              <a:buNone/>
+              <a:tabLst>
+                <a:tab algn="l" pos="0"/>
+              </a:tabLst>
+            </a:pPr>
+            <a:endParaRPr b="0" lang="en-AU" sz="2000" strike="noStrike" u="none">
+              <a:solidFill>
+                <a:srgbClr val="000000"/>
+              </a:solidFill>
+              <a:effectLst/>
+              <a:uFillTx/>
+              <a:latin typeface="Arial"/>
+            </a:endParaRPr>
+          </a:p>
+          <a:p>
+            <a:pPr indent="0">
+              <a:lnSpc>
+                <a:spcPct val="100000"/>
+              </a:lnSpc>
+              <a:buNone/>
+              <a:tabLst>
+                <a:tab algn="l" pos="0"/>
+              </a:tabLst>
+            </a:pPr>
+            <a:r>
+              <a:rPr b="0" lang="en-AU" sz="2000" strike="noStrike" u="none">
+                <a:solidFill>
+                  <a:srgbClr val="000000"/>
+                </a:solidFill>
+                <a:effectLst/>
+                <a:uFillTx/>
+                <a:latin typeface="Arial"/>
+              </a:rPr>
+              <a:t>Investing in LLM workflows should focus on using private data. This gives biggest advantage.</a:t>
+            </a:r>
+            <a:endParaRPr b="0" lang="en-AU" sz="2000" strike="noStrike" u="none">
+              <a:solidFill>
+                <a:srgbClr val="000000"/>
+              </a:solidFill>
+              <a:effectLst/>
+              <a:uFillTx/>
+              <a:latin typeface="Arial"/>
+            </a:endParaRPr>
+          </a:p>
+          <a:p>
+            <a:pPr indent="0">
+              <a:lnSpc>
+                <a:spcPct val="100000"/>
+              </a:lnSpc>
+              <a:buNone/>
+              <a:tabLst>
+                <a:tab algn="l" pos="0"/>
+              </a:tabLst>
+            </a:pPr>
+            <a:endParaRPr b="0" lang="en-AU" sz="2000" strike="noStrike" u="none">
+              <a:solidFill>
+                <a:srgbClr val="000000"/>
+              </a:solidFill>
+              <a:effectLst/>
+              <a:uFillTx/>
+              <a:latin typeface="Arial"/>
+            </a:endParaRPr>
+          </a:p>
+          <a:p>
+            <a:pPr indent="0">
+              <a:lnSpc>
+                <a:spcPct val="100000"/>
+              </a:lnSpc>
+              <a:buNone/>
+              <a:tabLst>
+                <a:tab algn="l" pos="0"/>
+              </a:tabLst>
+            </a:pPr>
+            <a:r>
+              <a:rPr b="0" lang="en-AU" sz="2000" strike="noStrike" u="none">
+                <a:solidFill>
+                  <a:srgbClr val="000000"/>
+                </a:solidFill>
+                <a:effectLst/>
+                <a:uFillTx/>
+                <a:latin typeface="Arial"/>
+              </a:rPr>
+              <a:t>More context – what we try to automate. – context of security work</a:t>
+            </a:r>
+            <a:endParaRPr b="0" lang="en-AU" sz="2000" strike="noStrike" u="none">
+              <a:solidFill>
+                <a:srgbClr val="000000"/>
+              </a:solidFill>
+              <a:effectLst/>
+              <a:uFillTx/>
+              <a:latin typeface="Arial"/>
+            </a:endParaRPr>
+          </a:p>
+        </p:txBody>
+      </p:sp>
+    </p:spTree>
+  </p:cSld>
+</p:notes>
+</file>
+
+<file path=ppt/notesSlides/notesSlide7.xml><?xml version="1.0" encoding="utf-8"?>
+<p:notes xmlns:a="http://schemas.openxmlformats.org/drawingml/2006/main" xmlns:p="http://schemas.openxmlformats.org/presentationml/2006/main" xmlns:r="http://schemas.openxmlformats.org/officeDocument/2006/relationships" xmlns:p14="http://schemas.microsoft.com/office/powerpoint/2010/main" xmlns:p15="http://schemas.microsoft.com/office/powerpoint/2012/main" xmlns:mc="http://schemas.openxmlformats.org/markup-compatibility/2006">
+  <p:cSld>
+    <p:spTree>
+      <p:nvGrpSpPr>
+        <p:cNvPr id="1" name=""/>
+        <p:cNvGrpSpPr/>
+        <p:nvPr/>
+      </p:nvGrpSpPr>
+      <p:grpSpPr>
+        <a:xfrm>
+          <a:off x="0" y="0"/>
+          <a:ext cx="0" cy="0"/>
+          <a:chOff x="0" y="0"/>
+          <a:chExt cx="0" cy="0"/>
+        </a:xfrm>
+      </p:grpSpPr>
+      <p:sp>
+        <p:nvSpPr>
+          <p:cNvPr id="63" name="PlaceHolder 1"/>
+          <p:cNvSpPr>
+            <a:spLocks noGrp="1"/>
+          </p:cNvSpPr>
+          <p:nvPr>
+            <p:ph type="sldImg"/>
+          </p:nvPr>
+        </p:nvSpPr>
+        <p:spPr>
+          <a:xfrm>
+            <a:off x="216000" y="812520"/>
+            <a:ext cx="7124040" cy="4005720"/>
+          </a:xfrm>
+          <a:prstGeom prst="rect">
+            <a:avLst/>
+          </a:prstGeom>
+          <a:ln w="0">
+            <a:noFill/>
+          </a:ln>
+        </p:spPr>
+      </p:sp>
+      <p:sp>
+        <p:nvSpPr>
+          <p:cNvPr id="64" name="PlaceHolder 2"/>
+          <p:cNvSpPr>
+            <a:spLocks noGrp="1"/>
+          </p:cNvSpPr>
+          <p:nvPr>
+            <p:ph type="body"/>
+          </p:nvPr>
+        </p:nvSpPr>
+        <p:spPr>
+          <a:xfrm>
+            <a:off x="756000" y="5078520"/>
+            <a:ext cx="6044400" cy="4807800"/>
+          </a:xfrm>
+          <a:prstGeom prst="rect">
+            <a:avLst/>
+          </a:prstGeom>
+          <a:noFill/>
+          <a:ln w="0">
+            <a:noFill/>
+          </a:ln>
+        </p:spPr>
+        <p:txBody>
+          <a:bodyPr lIns="0" rIns="0" tIns="0" bIns="0" anchor="t">
+            <a:noAutofit/>
+          </a:bodyPr>
+          <a:p>
+            <a:pPr indent="0">
+              <a:lnSpc>
+                <a:spcPct val="100000"/>
+              </a:lnSpc>
+              <a:buNone/>
+              <a:tabLst>
+                <a:tab algn="l" pos="0"/>
+              </a:tabLst>
+            </a:pPr>
+            <a:r>
+              <a:rPr b="0" lang="en-AU" sz="2000" strike="noStrike" u="none">
+                <a:solidFill>
+                  <a:srgbClr val="000000"/>
+                </a:solidFill>
+                <a:effectLst/>
+                <a:uFillTx/>
+                <a:latin typeface="Arial"/>
+              </a:rPr>
+              <a:t>Large Language Models allow to replace mundane text generation with automation. This can lead to reduction in labour expenses and increase in profitability.</a:t>
+            </a:r>
+            <a:endParaRPr b="0" lang="en-AU" sz="2000" strike="noStrike" u="none">
+              <a:solidFill>
+                <a:srgbClr val="000000"/>
+              </a:solidFill>
+              <a:effectLst/>
+              <a:uFillTx/>
+              <a:latin typeface="Arial"/>
+            </a:endParaRPr>
+          </a:p>
+          <a:p>
+            <a:pPr indent="0">
+              <a:lnSpc>
+                <a:spcPct val="100000"/>
+              </a:lnSpc>
+              <a:buNone/>
+              <a:tabLst>
+                <a:tab algn="l" pos="0"/>
+              </a:tabLst>
+            </a:pPr>
+            <a:endParaRPr b="0" lang="en-AU" sz="2000" strike="noStrike" u="none">
+              <a:solidFill>
+                <a:srgbClr val="000000"/>
+              </a:solidFill>
+              <a:effectLst/>
+              <a:uFillTx/>
+              <a:latin typeface="Arial"/>
+            </a:endParaRPr>
+          </a:p>
+          <a:p>
+            <a:pPr indent="0">
+              <a:lnSpc>
+                <a:spcPct val="100000"/>
+              </a:lnSpc>
+              <a:buNone/>
+              <a:tabLst>
+                <a:tab algn="l" pos="0"/>
+              </a:tabLst>
+            </a:pPr>
+            <a:r>
+              <a:rPr b="0" lang="en-AU" sz="2000" strike="noStrike" u="none">
+                <a:solidFill>
+                  <a:srgbClr val="000000"/>
+                </a:solidFill>
+                <a:effectLst/>
+                <a:uFillTx/>
+                <a:latin typeface="Arial"/>
+              </a:rPr>
+              <a:t>Incorporating LLMs require changes in business process.</a:t>
+            </a:r>
+            <a:endParaRPr b="0" lang="en-AU" sz="2000" strike="noStrike" u="none">
+              <a:solidFill>
+                <a:srgbClr val="000000"/>
+              </a:solidFill>
+              <a:effectLst/>
+              <a:uFillTx/>
+              <a:latin typeface="Arial"/>
+            </a:endParaRPr>
+          </a:p>
+          <a:p>
+            <a:pPr indent="0">
+              <a:lnSpc>
+                <a:spcPct val="100000"/>
+              </a:lnSpc>
+              <a:buNone/>
+              <a:tabLst>
+                <a:tab algn="l" pos="0"/>
+              </a:tabLst>
+            </a:pPr>
+            <a:endParaRPr b="0" lang="en-AU" sz="2000" strike="noStrike" u="none">
+              <a:solidFill>
+                <a:srgbClr val="000000"/>
+              </a:solidFill>
+              <a:effectLst/>
+              <a:uFillTx/>
+              <a:latin typeface="Arial"/>
+            </a:endParaRPr>
+          </a:p>
+          <a:p>
+            <a:pPr indent="0">
+              <a:lnSpc>
+                <a:spcPct val="100000"/>
+              </a:lnSpc>
+              <a:buNone/>
+              <a:tabLst>
+                <a:tab algn="l" pos="0"/>
+              </a:tabLst>
+            </a:pPr>
+            <a:r>
+              <a:rPr b="0" lang="en-AU" sz="2000" strike="noStrike" u="none">
+                <a:solidFill>
+                  <a:srgbClr val="000000"/>
+                </a:solidFill>
+                <a:effectLst/>
+                <a:uFillTx/>
+                <a:latin typeface="Arial"/>
+              </a:rPr>
+              <a:t>Every company have access to LLMs trained on public data. Therefore, the knowledge of public data is not a competitive advantage. Only private data gives advantage.</a:t>
+            </a:r>
+            <a:endParaRPr b="0" lang="en-AU" sz="2000" strike="noStrike" u="none">
+              <a:solidFill>
+                <a:srgbClr val="000000"/>
+              </a:solidFill>
+              <a:effectLst/>
+              <a:uFillTx/>
+              <a:latin typeface="Arial"/>
+            </a:endParaRPr>
+          </a:p>
+          <a:p>
+            <a:pPr indent="0">
+              <a:lnSpc>
+                <a:spcPct val="100000"/>
+              </a:lnSpc>
+              <a:buNone/>
+              <a:tabLst>
+                <a:tab algn="l" pos="0"/>
+              </a:tabLst>
+            </a:pPr>
+            <a:endParaRPr b="0" lang="en-AU" sz="2000" strike="noStrike" u="none">
+              <a:solidFill>
+                <a:srgbClr val="000000"/>
+              </a:solidFill>
+              <a:effectLst/>
+              <a:uFillTx/>
+              <a:latin typeface="Arial"/>
+            </a:endParaRPr>
+          </a:p>
+          <a:p>
+            <a:pPr indent="0">
+              <a:lnSpc>
+                <a:spcPct val="100000"/>
+              </a:lnSpc>
+              <a:buNone/>
+              <a:tabLst>
+                <a:tab algn="l" pos="0"/>
+              </a:tabLst>
+            </a:pPr>
+            <a:r>
+              <a:rPr b="0" lang="en-AU" sz="2000" strike="noStrike" u="none">
+                <a:solidFill>
+                  <a:srgbClr val="000000"/>
+                </a:solidFill>
+                <a:effectLst/>
+                <a:uFillTx/>
+                <a:latin typeface="Arial"/>
+              </a:rPr>
+              <a:t>Investing in LLM workflows should focus on using private data. This gives biggest advantage.</a:t>
+            </a:r>
+            <a:endParaRPr b="0" lang="en-AU" sz="2000" strike="noStrike" u="none">
+              <a:solidFill>
+                <a:srgbClr val="000000"/>
+              </a:solidFill>
+              <a:effectLst/>
+              <a:uFillTx/>
+              <a:latin typeface="Arial"/>
+            </a:endParaRPr>
+          </a:p>
+          <a:p>
+            <a:pPr indent="0">
+              <a:lnSpc>
+                <a:spcPct val="100000"/>
+              </a:lnSpc>
+              <a:buNone/>
+              <a:tabLst>
+                <a:tab algn="l" pos="0"/>
+              </a:tabLst>
+            </a:pPr>
+            <a:endParaRPr b="0" lang="en-AU" sz="2000" strike="noStrike" u="none">
+              <a:solidFill>
+                <a:srgbClr val="000000"/>
+              </a:solidFill>
+              <a:effectLst/>
+              <a:uFillTx/>
+              <a:latin typeface="Arial"/>
+            </a:endParaRPr>
+          </a:p>
+          <a:p>
+            <a:pPr indent="0">
+              <a:lnSpc>
+                <a:spcPct val="100000"/>
+              </a:lnSpc>
+              <a:buNone/>
+              <a:tabLst>
+                <a:tab algn="l" pos="0"/>
+              </a:tabLst>
+            </a:pPr>
+            <a:r>
+              <a:rPr b="0" lang="en-AU" sz="2000" strike="noStrike" u="none">
+                <a:solidFill>
+                  <a:srgbClr val="000000"/>
+                </a:solidFill>
+                <a:effectLst/>
+                <a:uFillTx/>
+                <a:latin typeface="Arial"/>
+              </a:rPr>
+              <a:t>More context – what we try to automate. – context of security work</a:t>
+            </a:r>
+            <a:endParaRPr b="0" lang="en-AU" sz="2000" strike="noStrike" u="none">
+              <a:solidFill>
+                <a:srgbClr val="000000"/>
+              </a:solidFill>
+              <a:effectLst/>
+              <a:uFillTx/>
+              <a:latin typeface="Arial"/>
+            </a:endParaRPr>
+          </a:p>
+        </p:txBody>
+      </p:sp>
+    </p:spTree>
+  </p:cSld>
+</p:notes>
+</file>
+
+<file path=ppt/notesSlides/notesSlide8.xml><?xml version="1.0" encoding="utf-8"?>
+<p:notes xmlns:a="http://schemas.openxmlformats.org/drawingml/2006/main" xmlns:p="http://schemas.openxmlformats.org/presentationml/2006/main" xmlns:r="http://schemas.openxmlformats.org/officeDocument/2006/relationships" xmlns:p14="http://schemas.microsoft.com/office/powerpoint/2010/main" xmlns:p15="http://schemas.microsoft.com/office/powerpoint/2012/main" xmlns:mc="http://schemas.openxmlformats.org/markup-compatibility/2006">
+  <p:cSld>
+    <p:spTree>
+      <p:nvGrpSpPr>
+        <p:cNvPr id="1" name=""/>
+        <p:cNvGrpSpPr/>
+        <p:nvPr/>
+      </p:nvGrpSpPr>
+      <p:grpSpPr>
+        <a:xfrm>
+          <a:off x="0" y="0"/>
+          <a:ext cx="0" cy="0"/>
+          <a:chOff x="0" y="0"/>
+          <a:chExt cx="0" cy="0"/>
+        </a:xfrm>
+      </p:grpSpPr>
+      <p:sp>
+        <p:nvSpPr>
+          <p:cNvPr id="65" name="PlaceHolder 1"/>
+          <p:cNvSpPr>
+            <a:spLocks noGrp="1"/>
+          </p:cNvSpPr>
+          <p:nvPr>
+            <p:ph type="sldImg"/>
+          </p:nvPr>
+        </p:nvSpPr>
+        <p:spPr>
+          <a:xfrm>
+            <a:off x="216000" y="812520"/>
+            <a:ext cx="7124040" cy="4005720"/>
+          </a:xfrm>
+          <a:prstGeom prst="rect">
+            <a:avLst/>
+          </a:prstGeom>
+          <a:ln w="0">
+            <a:noFill/>
+          </a:ln>
+        </p:spPr>
+      </p:sp>
+      <p:sp>
+        <p:nvSpPr>
+          <p:cNvPr id="66" name="PlaceHolder 2"/>
+          <p:cNvSpPr>
+            <a:spLocks noGrp="1"/>
+          </p:cNvSpPr>
+          <p:nvPr>
+            <p:ph type="body"/>
+          </p:nvPr>
+        </p:nvSpPr>
+        <p:spPr>
+          <a:xfrm>
+            <a:off x="756000" y="5078520"/>
+            <a:ext cx="6044400" cy="4807800"/>
           </a:xfrm>
           <a:prstGeom prst="rect">
             <a:avLst/>
@@ -2225,8 +2526,8 @@
         </p:nvSpPr>
         <p:spPr>
           <a:xfrm flipH="1" flipV="1">
-            <a:off x="-4320" y="4495680"/>
-            <a:ext cx="10076040" cy="1166040"/>
+            <a:off x="-5760" y="4494240"/>
+            <a:ext cx="10074600" cy="1164600"/>
           </a:xfrm>
           <a:prstGeom prst="flowChartDocument">
             <a:avLst/>
@@ -2670,7 +2971,7 @@
         <p:spPr>
           <a:xfrm>
             <a:off x="0" y="1620000"/>
-            <a:ext cx="8996040" cy="1076040"/>
+            <a:ext cx="8994600" cy="1074600"/>
           </a:xfrm>
           <a:prstGeom prst="rect">
             <a:avLst/>
@@ -2729,7 +3030,7 @@
         <p:spPr>
           <a:xfrm>
             <a:off x="360000" y="2880000"/>
-            <a:ext cx="9356040" cy="1616040"/>
+            <a:ext cx="9354600" cy="1614600"/>
           </a:xfrm>
           <a:prstGeom prst="rect">
             <a:avLst/>
@@ -3003,7 +3304,7 @@
         <p:spPr>
           <a:xfrm>
             <a:off x="360000" y="5220000"/>
-            <a:ext cx="2336040" cy="356040"/>
+            <a:ext cx="2334600" cy="354600"/>
           </a:xfrm>
           <a:prstGeom prst="rect">
             <a:avLst/>
@@ -3081,7 +3382,7 @@
         <p:spPr>
           <a:xfrm>
             <a:off x="3420000" y="5220000"/>
-            <a:ext cx="3236040" cy="356040"/>
+            <a:ext cx="3234600" cy="354600"/>
           </a:xfrm>
           <a:prstGeom prst="rect">
             <a:avLst/>
@@ -3159,7 +3460,7 @@
         <p:spPr>
           <a:xfrm>
             <a:off x="7380000" y="5220000"/>
-            <a:ext cx="2336040" cy="356040"/>
+            <a:ext cx="2334600" cy="354600"/>
           </a:xfrm>
           <a:prstGeom prst="rect">
             <a:avLst/>
@@ -3202,7 +3503,7 @@
                 <a:tab algn="l" pos="0"/>
               </a:tabLst>
             </a:pPr>
-            <a:fld id="{B67A4FF5-7E0B-4CA9-A334-19EF3DD6460A}" type="slidenum">
+            <a:fld id="{5089CF49-D5F1-459A-8DEB-30864599099C}" type="slidenum">
               <a:rPr b="0" lang="en-AU" sz="1400" strike="noStrike" u="none">
                 <a:solidFill>
                   <a:srgbClr val="ffffff"/>
@@ -3254,8 +3555,8 @@
         </p:nvSpPr>
         <p:spPr>
           <a:xfrm flipH="1" flipV="1">
-            <a:off x="-4320" y="4495680"/>
-            <a:ext cx="10076040" cy="1166040"/>
+            <a:off x="-5760" y="4494240"/>
+            <a:ext cx="10074600" cy="1164600"/>
           </a:xfrm>
           <a:prstGeom prst="flowChartDocument">
             <a:avLst/>
@@ -3699,7 +4000,7 @@
         <p:spPr>
           <a:xfrm>
             <a:off x="0" y="1620000"/>
-            <a:ext cx="8996040" cy="1076040"/>
+            <a:ext cx="8994600" cy="1074600"/>
           </a:xfrm>
           <a:prstGeom prst="rect">
             <a:avLst/>
@@ -3758,7 +4059,7 @@
         <p:spPr>
           <a:xfrm>
             <a:off x="360000" y="2880000"/>
-            <a:ext cx="9356040" cy="1616040"/>
+            <a:ext cx="9354600" cy="1614600"/>
           </a:xfrm>
           <a:prstGeom prst="rect">
             <a:avLst/>
@@ -4032,7 +4333,7 @@
         <p:spPr>
           <a:xfrm>
             <a:off x="360000" y="5220000"/>
-            <a:ext cx="2336040" cy="356040"/>
+            <a:ext cx="2334600" cy="354600"/>
           </a:xfrm>
           <a:prstGeom prst="rect">
             <a:avLst/>
@@ -4110,7 +4411,7 @@
         <p:spPr>
           <a:xfrm>
             <a:off x="3420000" y="5220000"/>
-            <a:ext cx="3236040" cy="356040"/>
+            <a:ext cx="3234600" cy="354600"/>
           </a:xfrm>
           <a:prstGeom prst="rect">
             <a:avLst/>
@@ -4188,7 +4489,7 @@
         <p:spPr>
           <a:xfrm>
             <a:off x="7380000" y="5220000"/>
-            <a:ext cx="2336040" cy="356040"/>
+            <a:ext cx="2334600" cy="354600"/>
           </a:xfrm>
           <a:prstGeom prst="rect">
             <a:avLst/>
@@ -4231,7 +4532,7 @@
                 <a:tab algn="l" pos="0"/>
               </a:tabLst>
             </a:pPr>
-            <a:fld id="{0867A822-D137-4E27-A57A-3A9734BDA6E1}" type="slidenum">
+            <a:fld id="{3F980B80-7AB7-4C29-A6EE-548F43A606E3}" type="slidenum">
               <a:rPr b="0" lang="en-AU" sz="1400" strike="noStrike" u="none">
                 <a:solidFill>
                   <a:srgbClr val="ffffff"/>
@@ -4284,7 +4585,7 @@
         <p:spPr>
           <a:xfrm>
             <a:off x="0" y="0"/>
-            <a:ext cx="10072800" cy="716040"/>
+            <a:ext cx="10071360" cy="714600"/>
           </a:xfrm>
           <a:prstGeom prst="rect">
             <a:avLst/>
@@ -4724,7 +5025,7 @@
         <p:spPr>
           <a:xfrm>
             <a:off x="3240" y="5040000"/>
-            <a:ext cx="10072800" cy="627480"/>
+            <a:ext cx="10071360" cy="626040"/>
           </a:xfrm>
           <a:prstGeom prst="rect">
             <a:avLst/>
@@ -5168,7 +5469,7 @@
         <p:spPr>
           <a:xfrm>
             <a:off x="360000" y="180000"/>
-            <a:ext cx="9356040" cy="474120"/>
+            <a:ext cx="9354600" cy="472680"/>
           </a:xfrm>
           <a:prstGeom prst="rect">
             <a:avLst/>
@@ -5227,7 +5528,7 @@
         <p:spPr>
           <a:xfrm>
             <a:off x="360000" y="1080000"/>
-            <a:ext cx="9356040" cy="3596040"/>
+            <a:ext cx="9354600" cy="3594600"/>
           </a:xfrm>
           <a:prstGeom prst="rect">
             <a:avLst/>
@@ -5501,7 +5802,7 @@
         <p:spPr>
           <a:xfrm>
             <a:off x="360000" y="5220000"/>
-            <a:ext cx="2336040" cy="356040"/>
+            <a:ext cx="2334600" cy="354600"/>
           </a:xfrm>
           <a:prstGeom prst="rect">
             <a:avLst/>
@@ -5579,7 +5880,7 @@
         <p:spPr>
           <a:xfrm>
             <a:off x="3420000" y="5220000"/>
-            <a:ext cx="3236040" cy="356040"/>
+            <a:ext cx="3234600" cy="354600"/>
           </a:xfrm>
           <a:prstGeom prst="rect">
             <a:avLst/>
@@ -5657,7 +5958,7 @@
         <p:spPr>
           <a:xfrm>
             <a:off x="7380000" y="5220000"/>
-            <a:ext cx="2336040" cy="356040"/>
+            <a:ext cx="2334600" cy="354600"/>
           </a:xfrm>
           <a:prstGeom prst="rect">
             <a:avLst/>
@@ -5700,7 +6001,7 @@
                 <a:tab algn="l" pos="0"/>
               </a:tabLst>
             </a:pPr>
-            <a:fld id="{C606F871-2545-4CD4-91EF-04D37ECE4D27}" type="slidenum">
+            <a:fld id="{31EEEC85-C54F-41AE-A5E0-7FE63A155531}" type="slidenum">
               <a:rPr b="0" lang="en-AU" sz="1400" strike="noStrike" u="none">
                 <a:solidFill>
                   <a:srgbClr val="ffffff"/>
@@ -5752,8 +6053,8 @@
         </p:nvSpPr>
         <p:spPr>
           <a:xfrm flipH="1" flipV="1">
-            <a:off x="-3600" y="4496400"/>
-            <a:ext cx="10076760" cy="1166760"/>
+            <a:off x="-5040" y="4494960"/>
+            <a:ext cx="10075320" cy="1165320"/>
           </a:xfrm>
           <a:prstGeom prst="flowChartDocument">
             <a:avLst/>
@@ -6197,7 +6498,7 @@
         <p:spPr>
           <a:xfrm>
             <a:off x="0" y="1620000"/>
-            <a:ext cx="8996760" cy="1076760"/>
+            <a:ext cx="8995320" cy="1075320"/>
           </a:xfrm>
           <a:prstGeom prst="rect">
             <a:avLst/>
@@ -6256,7 +6557,7 @@
         <p:spPr>
           <a:xfrm>
             <a:off x="360000" y="2880000"/>
-            <a:ext cx="9356760" cy="1616760"/>
+            <a:ext cx="9355320" cy="1615320"/>
           </a:xfrm>
           <a:prstGeom prst="rect">
             <a:avLst/>
@@ -6530,7 +6831,7 @@
         <p:spPr>
           <a:xfrm>
             <a:off x="360000" y="5220000"/>
-            <a:ext cx="2336760" cy="356760"/>
+            <a:ext cx="2335320" cy="355320"/>
           </a:xfrm>
           <a:prstGeom prst="rect">
             <a:avLst/>
@@ -6608,7 +6909,7 @@
         <p:spPr>
           <a:xfrm>
             <a:off x="3420000" y="5220000"/>
-            <a:ext cx="3236760" cy="356760"/>
+            <a:ext cx="3235320" cy="355320"/>
           </a:xfrm>
           <a:prstGeom prst="rect">
             <a:avLst/>
@@ -6686,7 +6987,7 @@
         <p:spPr>
           <a:xfrm>
             <a:off x="7380000" y="5220000"/>
-            <a:ext cx="2336760" cy="356760"/>
+            <a:ext cx="2335320" cy="355320"/>
           </a:xfrm>
           <a:prstGeom prst="rect">
             <a:avLst/>
@@ -6729,7 +7030,7 @@
                 <a:tab algn="l" pos="0"/>
               </a:tabLst>
             </a:pPr>
-            <a:fld id="{3B5490B0-DBA4-4BAA-B350-4193D9C83099}" type="slidenum">
+            <a:fld id="{DAA7D2E0-3C6A-40F0-B5F3-5337953D452E}" type="slidenum">
               <a:rPr b="0" lang="en-AU" sz="1400" strike="noStrike" u="none">
                 <a:solidFill>
                   <a:srgbClr val="ffffff"/>
@@ -6782,7 +7083,7 @@
         <p:spPr>
           <a:xfrm>
             <a:off x="0" y="0"/>
-            <a:ext cx="10073520" cy="716760"/>
+            <a:ext cx="10072080" cy="715320"/>
           </a:xfrm>
           <a:prstGeom prst="rect">
             <a:avLst/>
@@ -7222,7 +7523,7 @@
         <p:spPr>
           <a:xfrm>
             <a:off x="3240" y="5040000"/>
-            <a:ext cx="10073520" cy="628200"/>
+            <a:ext cx="10072080" cy="626760"/>
           </a:xfrm>
           <a:prstGeom prst="rect">
             <a:avLst/>
@@ -7666,7 +7967,7 @@
         <p:spPr>
           <a:xfrm>
             <a:off x="360000" y="180000"/>
-            <a:ext cx="9356760" cy="474840"/>
+            <a:ext cx="9355320" cy="473400"/>
           </a:xfrm>
           <a:prstGeom prst="rect">
             <a:avLst/>
@@ -7725,7 +8026,7 @@
         <p:spPr>
           <a:xfrm>
             <a:off x="360000" y="1080000"/>
-            <a:ext cx="9356760" cy="3596760"/>
+            <a:ext cx="9355320" cy="3595320"/>
           </a:xfrm>
           <a:prstGeom prst="rect">
             <a:avLst/>
@@ -7999,7 +8300,7 @@
         <p:spPr>
           <a:xfrm>
             <a:off x="360000" y="5220000"/>
-            <a:ext cx="2336760" cy="356760"/>
+            <a:ext cx="2335320" cy="355320"/>
           </a:xfrm>
           <a:prstGeom prst="rect">
             <a:avLst/>
@@ -8077,7 +8378,7 @@
         <p:spPr>
           <a:xfrm>
             <a:off x="3420000" y="5220000"/>
-            <a:ext cx="3236760" cy="356760"/>
+            <a:ext cx="3235320" cy="355320"/>
           </a:xfrm>
           <a:prstGeom prst="rect">
             <a:avLst/>
@@ -8155,7 +8456,7 @@
         <p:spPr>
           <a:xfrm>
             <a:off x="7380000" y="5220000"/>
-            <a:ext cx="2336760" cy="356760"/>
+            <a:ext cx="2335320" cy="355320"/>
           </a:xfrm>
           <a:prstGeom prst="rect">
             <a:avLst/>
@@ -8198,7 +8499,7 @@
                 <a:tab algn="l" pos="0"/>
               </a:tabLst>
             </a:pPr>
-            <a:fld id="{0A5FACDE-10D0-408C-BE87-596B8FB88EDF}" type="slidenum">
+            <a:fld id="{1472BD84-A347-4A18-8502-CBD9D1F2E9B6}" type="slidenum">
               <a:rPr b="0" lang="en-AU" sz="1400" strike="noStrike" u="none">
                 <a:solidFill>
                   <a:srgbClr val="ffffff"/>
@@ -8309,8 +8610,8 @@
         </p:nvSpPr>
         <p:spPr>
           <a:xfrm>
-            <a:off x="0" y="1616040"/>
-            <a:ext cx="8996040" cy="1083960"/>
+            <a:off x="0" y="1614600"/>
+            <a:ext cx="8994600" cy="1085400"/>
           </a:xfrm>
           <a:prstGeom prst="rect">
             <a:avLst/>
@@ -8398,8 +8699,8 @@
         </p:nvSpPr>
         <p:spPr>
           <a:xfrm>
-            <a:off x="360000" y="164160"/>
-            <a:ext cx="9356040" cy="505800"/>
+            <a:off x="360000" y="162720"/>
+            <a:ext cx="9354600" cy="507240"/>
           </a:xfrm>
           <a:prstGeom prst="rect">
             <a:avLst/>
@@ -8458,7 +8759,7 @@
         <p:spPr>
           <a:xfrm>
             <a:off x="360000" y="1080000"/>
-            <a:ext cx="9356040" cy="3596040"/>
+            <a:ext cx="9354600" cy="3594600"/>
           </a:xfrm>
           <a:prstGeom prst="rect">
             <a:avLst/>
@@ -8580,7 +8881,7 @@
         <p:txBody>
           <a:bodyPr/>
           <a:p>
-            <a:fld id="{EA07F773-61C4-4A2E-ADB1-EC195F1CECE4}" type="slidenum">
+            <a:fld id="{1866A0C9-F70D-4FBC-B2E7-196874708B24}" type="slidenum">
               <a:t>2</a:t>
             </a:fld>
           </a:p>
@@ -8628,8 +8929,8 @@
         </p:nvSpPr>
         <p:spPr>
           <a:xfrm>
-            <a:off x="360000" y="164160"/>
-            <a:ext cx="9356040" cy="505800"/>
+            <a:off x="360000" y="162720"/>
+            <a:ext cx="9354600" cy="507240"/>
           </a:xfrm>
           <a:prstGeom prst="rect">
             <a:avLst/>
@@ -8701,6 +9002,11 @@
                       <a:noAutofit/>
                     </a:bodyPr>
                     <a:p>
+                      <a:pPr>
+                        <a:lnSpc>
+                          <a:spcPct val="100000"/>
+                        </a:lnSpc>
+                      </a:pPr>
                       <a:endParaRPr b="0" lang="en-AU" sz="1400" strike="noStrike" u="none">
                         <a:solidFill>
                           <a:srgbClr val="000000"/>
@@ -9971,7 +10277,7 @@
         <p:txBody>
           <a:bodyPr/>
           <a:p>
-            <a:fld id="{A57B569C-505B-4833-8830-03783906E45E}" type="slidenum">
+            <a:fld id="{21A9E75E-2592-4D94-973F-5602FBBAD5E7}" type="slidenum">
               <a:t>3</a:t>
             </a:fld>
           </a:p>
@@ -10019,8 +10325,8 @@
         </p:nvSpPr>
         <p:spPr>
           <a:xfrm>
-            <a:off x="360000" y="164160"/>
-            <a:ext cx="9356040" cy="505800"/>
+            <a:off x="360000" y="162720"/>
+            <a:ext cx="9354600" cy="507240"/>
           </a:xfrm>
           <a:prstGeom prst="rect">
             <a:avLst/>
@@ -10079,7 +10385,7 @@
         <p:spPr>
           <a:xfrm>
             <a:off x="360000" y="1080000"/>
-            <a:ext cx="9356040" cy="3596040"/>
+            <a:ext cx="9354600" cy="3594600"/>
           </a:xfrm>
           <a:prstGeom prst="rect">
             <a:avLst/>
@@ -10152,7 +10458,7 @@
                 <a:uFillTx/>
                 <a:latin typeface="Arial"/>
               </a:rPr>
-              <a:t>Document is chunked based on internal formatting</a:t>
+              <a:t>Document is separated into sections based on internal formatting</a:t>
             </a:r>
             <a:endParaRPr b="0" lang="en-AU" sz="2800" strike="noStrike" u="none">
               <a:solidFill>
@@ -10187,7 +10493,7 @@
                 <a:uFillTx/>
                 <a:latin typeface="Arial"/>
               </a:rPr>
-              <a:t>Chunks matching known topic are placed in vector table</a:t>
+              <a:t>Sections matching known topic are placed in vector table</a:t>
             </a:r>
             <a:endParaRPr b="0" lang="en-AU" sz="2800" strike="noStrike" u="none">
               <a:solidFill>
@@ -10236,7 +10542,7 @@
         <p:txBody>
           <a:bodyPr/>
           <a:p>
-            <a:fld id="{18AA8725-CC94-436B-8433-DEE7D31824C4}" type="slidenum">
+            <a:fld id="{08C601DF-D30E-4C2D-A8CC-93098C40F9F9}" type="slidenum">
               <a:t>4</a:t>
             </a:fld>
           </a:p>
@@ -10284,8 +10590,8 @@
         </p:nvSpPr>
         <p:spPr>
           <a:xfrm>
-            <a:off x="360000" y="164160"/>
-            <a:ext cx="9356040" cy="505800"/>
+            <a:off x="360000" y="162720"/>
+            <a:ext cx="9354600" cy="507240"/>
           </a:xfrm>
           <a:prstGeom prst="rect">
             <a:avLst/>
@@ -10344,7 +10650,7 @@
         <p:spPr>
           <a:xfrm>
             <a:off x="360000" y="1080000"/>
-            <a:ext cx="9356040" cy="3596040"/>
+            <a:ext cx="9354600" cy="3594600"/>
           </a:xfrm>
           <a:prstGeom prst="rect">
             <a:avLst/>
@@ -10487,7 +10793,7 @@
                 <a:uFillTx/>
                 <a:latin typeface="Arial"/>
               </a:rPr>
-              <a:t>100 text files of engineering Q&amp;A</a:t>
+              <a:t>20 text files of engineering Q&amp;A</a:t>
             </a:r>
             <a:endParaRPr b="0" lang="en-AU" sz="2800" strike="noStrike" u="none">
               <a:solidFill>
@@ -10522,7 +10828,7 @@
                 <a:uFillTx/>
                 <a:latin typeface="Arial"/>
               </a:rPr>
-              <a:t>100 text files of medical research notes</a:t>
+              <a:t>20 text files of medical research notes</a:t>
             </a:r>
             <a:endParaRPr b="0" lang="en-AU" sz="2800" strike="noStrike" u="none">
               <a:solidFill>
@@ -10549,7 +10855,7 @@
         <p:txBody>
           <a:bodyPr/>
           <a:p>
-            <a:fld id="{AE65CA0E-3492-42CF-A12A-F6A88B4E5450}" type="slidenum">
+            <a:fld id="{03C1F2E9-F9AB-47E7-AD77-42EBA68FCA2B}" type="slidenum">
               <a:t>5</a:t>
             </a:fld>
           </a:p>
@@ -10597,8 +10903,8 @@
         </p:nvSpPr>
         <p:spPr>
           <a:xfrm>
-            <a:off x="360000" y="164160"/>
-            <a:ext cx="9356040" cy="505800"/>
+            <a:off x="360000" y="162720"/>
+            <a:ext cx="9354600" cy="507240"/>
           </a:xfrm>
           <a:prstGeom prst="rect">
             <a:avLst/>
@@ -10657,7 +10963,7 @@
         <p:spPr>
           <a:xfrm>
             <a:off x="360000" y="1080000"/>
-            <a:ext cx="9356040" cy="3596040"/>
+            <a:ext cx="9354600" cy="3594600"/>
           </a:xfrm>
           <a:prstGeom prst="rect">
             <a:avLst/>
@@ -10827,7 +11133,7 @@
         <p:txBody>
           <a:bodyPr/>
           <a:p>
-            <a:fld id="{9773C131-A4D5-48AC-BB96-9C68DA6AB66E}" type="slidenum">
+            <a:fld id="{528452BC-7DEB-4023-8DB6-64E11D70CF8B}" type="slidenum">
               <a:t>6</a:t>
             </a:fld>
           </a:p>
@@ -10875,8 +11181,8 @@
         </p:nvSpPr>
         <p:spPr>
           <a:xfrm>
-            <a:off x="360000" y="164160"/>
-            <a:ext cx="9356040" cy="505800"/>
+            <a:off x="360000" y="162720"/>
+            <a:ext cx="9354600" cy="507240"/>
           </a:xfrm>
           <a:prstGeom prst="rect">
             <a:avLst/>
@@ -10935,7 +11241,7 @@
         <p:spPr>
           <a:xfrm>
             <a:off x="360000" y="1080000"/>
-            <a:ext cx="9356040" cy="3596040"/>
+            <a:ext cx="9354600" cy="3594600"/>
           </a:xfrm>
           <a:prstGeom prst="rect">
             <a:avLst/>
@@ -10965,7 +11271,7 @@
               <a:buChar char=""/>
             </a:pPr>
             <a:r>
-              <a:rPr b="0" lang="en-AU" sz="2800" strike="noStrike" u="none">
+              <a:rPr b="0" lang="en-AU" sz="2000" strike="noStrike" u="none">
                 <a:solidFill>
                   <a:srgbClr val="009bdd"/>
                 </a:solidFill>
@@ -10973,9 +11279,9 @@
                 <a:uFillTx/>
                 <a:latin typeface="Arial"/>
               </a:rPr>
-              <a:t>File included in correct set: +1 point</a:t>
+              <a:t>Section included in correct set: +1 point</a:t>
             </a:r>
-            <a:endParaRPr b="0" lang="en-AU" sz="2800" strike="noStrike" u="none">
+            <a:endParaRPr b="0" lang="en-AU" sz="2000" strike="noStrike" u="none">
               <a:solidFill>
                 <a:srgbClr val="000000"/>
               </a:solidFill>
@@ -11000,7 +11306,7 @@
               <a:buChar char=""/>
             </a:pPr>
             <a:r>
-              <a:rPr b="0" lang="en-AU" sz="2800" strike="noStrike" u="none">
+              <a:rPr b="0" lang="en-AU" sz="2000" strike="noStrike" u="none">
                 <a:solidFill>
                   <a:srgbClr val="009bdd"/>
                 </a:solidFill>
@@ -11008,9 +11314,9 @@
                 <a:uFillTx/>
                 <a:latin typeface="Arial"/>
               </a:rPr>
-              <a:t>File included in incorrect set: -0.5 point</a:t>
+              <a:t>Section included in incorrect set: -0.5 point</a:t>
             </a:r>
-            <a:endParaRPr b="0" lang="en-AU" sz="2800" strike="noStrike" u="none">
+            <a:endParaRPr b="0" lang="en-AU" sz="2000" strike="noStrike" u="none">
               <a:solidFill>
                 <a:srgbClr val="000000"/>
               </a:solidFill>
@@ -11035,7 +11341,7 @@
               <a:buChar char=""/>
             </a:pPr>
             <a:r>
-              <a:rPr b="0" lang="en-AU" sz="2800" strike="noStrike" u="none">
+              <a:rPr b="0" lang="en-AU" sz="2000" strike="noStrike" u="none">
                 <a:solidFill>
                   <a:srgbClr val="009bdd"/>
                 </a:solidFill>
@@ -11044,9 +11350,9 @@
                 <a:latin typeface="Arial"/>
                 <a:ea typeface="Microsoft YaHei"/>
               </a:rPr>
-              <a:t>File not included in correct set: -1 point</a:t>
+              <a:t>Section not included in correct set: -1 point</a:t>
             </a:r>
-            <a:endParaRPr b="0" lang="en-AU" sz="2800" strike="noStrike" u="none">
+            <a:endParaRPr b="0" lang="en-AU" sz="2000" strike="noStrike" u="none">
               <a:solidFill>
                 <a:srgbClr val="000000"/>
               </a:solidFill>
@@ -11071,7 +11377,7 @@
               <a:buChar char=""/>
             </a:pPr>
             <a:r>
-              <a:rPr b="0" lang="en-AU" sz="2800" strike="noStrike" u="none">
+              <a:rPr b="0" lang="en-AU" sz="2000" strike="noStrike" u="none">
                 <a:solidFill>
                   <a:srgbClr val="009bdd"/>
                 </a:solidFill>
@@ -11080,9 +11386,45 @@
                 <a:latin typeface="Arial"/>
                 <a:ea typeface="Microsoft YaHei"/>
               </a:rPr>
-              <a:t>Minimum score: 0 </a:t>
+              <a:t>Minimum score: 0</a:t>
             </a:r>
-            <a:endParaRPr b="0" lang="en-AU" sz="2800" strike="noStrike" u="none">
+            <a:endParaRPr b="0" lang="en-AU" sz="2000" strike="noStrike" u="none">
+              <a:solidFill>
+                <a:srgbClr val="000000"/>
+              </a:solidFill>
+              <a:effectLst/>
+              <a:uFillTx/>
+              <a:latin typeface="Arial"/>
+            </a:endParaRPr>
+          </a:p>
+          <a:p>
+            <a:pPr marL="432000" indent="-324000">
+              <a:lnSpc>
+                <a:spcPct val="100000"/>
+              </a:lnSpc>
+              <a:spcBef>
+                <a:spcPts val="1060"/>
+              </a:spcBef>
+              <a:buClr>
+                <a:srgbClr val="77caee"/>
+              </a:buClr>
+              <a:buSzPct val="45000"/>
+              <a:buFont typeface="Wingdings" charset="2"/>
+              <a:buChar char=""/>
+            </a:pPr>
+            <a:r>
+              <a:rPr b="0" lang="en-AU" sz="2000" strike="noStrike" u="none">
+                <a:solidFill>
+                  <a:srgbClr val="009bdd"/>
+                </a:solidFill>
+                <a:effectLst/>
+                <a:uFillTx/>
+                <a:latin typeface="Arial"/>
+                <a:ea typeface="Microsoft YaHei"/>
+              </a:rPr>
+              <a:t>Maximum score is a sum of all expected sections </a:t>
+            </a:r>
+            <a:endParaRPr b="0" lang="en-AU" sz="2000" strike="noStrike" u="none">
               <a:solidFill>
                 <a:srgbClr val="000000"/>
               </a:solidFill>
@@ -11107,8 +11449,200 @@
         <p:txBody>
           <a:bodyPr/>
           <a:p>
-            <a:fld id="{5F705639-588F-4546-9A63-82912C798BCC}" type="slidenum">
+            <a:fld id="{A4360026-D1FF-4098-9323-47C54CF80A95}" type="slidenum">
               <a:t>7</a:t>
+            </a:fld>
+          </a:p>
+        </p:txBody>
+      </p:sp>
+    </p:spTree>
+  </p:cSld>
+  <mc:AlternateContent>
+    <mc:Choice Requires="p14">
+      <p:transition spd="slow" p14:dur="2000"/>
+    </mc:Choice>
+    <mc:Fallback>
+      <p:transition spd="slow"/>
+    </mc:Fallback>
+  </mc:AlternateContent>
+</p:sld>
+</file>
+
+<file path=ppt/slides/slide8.xml><?xml version="1.0" encoding="utf-8"?>
+<p:sld xmlns:a="http://schemas.openxmlformats.org/drawingml/2006/main" xmlns:p="http://schemas.openxmlformats.org/presentationml/2006/main" xmlns:r="http://schemas.openxmlformats.org/officeDocument/2006/relationships" xmlns:p14="http://schemas.microsoft.com/office/powerpoint/2010/main" xmlns:p15="http://schemas.microsoft.com/office/powerpoint/2012/main" xmlns:mc="http://schemas.openxmlformats.org/markup-compatibility/2006">
+  <p:cSld>
+    <p:spTree>
+      <p:nvGrpSpPr>
+        <p:cNvPr id="1" name=""/>
+        <p:cNvGrpSpPr/>
+        <p:nvPr/>
+      </p:nvGrpSpPr>
+      <p:grpSpPr>
+        <a:xfrm>
+          <a:off x="0" y="0"/>
+          <a:ext cx="0" cy="0"/>
+          <a:chOff x="0" y="0"/>
+          <a:chExt cx="0" cy="0"/>
+        </a:xfrm>
+      </p:grpSpPr>
+      <p:sp>
+        <p:nvSpPr>
+          <p:cNvPr id="51" name="PlaceHolder 1"/>
+          <p:cNvSpPr>
+            <a:spLocks noGrp="1"/>
+          </p:cNvSpPr>
+          <p:nvPr>
+            <p:ph type="title"/>
+          </p:nvPr>
+        </p:nvSpPr>
+        <p:spPr>
+          <a:xfrm>
+            <a:off x="360000" y="162720"/>
+            <a:ext cx="9354600" cy="507240"/>
+          </a:xfrm>
+          <a:prstGeom prst="rect">
+            <a:avLst/>
+          </a:prstGeom>
+          <a:noFill/>
+          <a:ln w="0">
+            <a:noFill/>
+          </a:ln>
+        </p:spPr>
+        <p:txBody>
+          <a:bodyPr lIns="0" rIns="0" tIns="0" bIns="0" anchor="ctr">
+            <a:spAutoFit/>
+          </a:bodyPr>
+          <a:p>
+            <a:pPr indent="0" algn="ctr">
+              <a:lnSpc>
+                <a:spcPct val="100000"/>
+              </a:lnSpc>
+              <a:buNone/>
+              <a:tabLst>
+                <a:tab algn="l" pos="0"/>
+              </a:tabLst>
+            </a:pPr>
+            <a:r>
+              <a:rPr b="0" lang="en-AU" sz="3300" strike="noStrike" u="none">
+                <a:solidFill>
+                  <a:srgbClr val="eeeeee"/>
+                </a:solidFill>
+                <a:effectLst/>
+                <a:uFillTx/>
+                <a:latin typeface="Arial"/>
+              </a:rPr>
+              <a:t>Discovery Test Notes</a:t>
+            </a:r>
+            <a:endParaRPr b="0" lang="en-AU" sz="3300" strike="noStrike" u="none">
+              <a:solidFill>
+                <a:srgbClr val="000000"/>
+              </a:solidFill>
+              <a:effectLst/>
+              <a:uFillTx/>
+              <a:latin typeface="Arial"/>
+            </a:endParaRPr>
+          </a:p>
+        </p:txBody>
+      </p:sp>
+      <p:sp>
+        <p:nvSpPr>
+          <p:cNvPr id="52" name="PlaceHolder 2"/>
+          <p:cNvSpPr>
+            <a:spLocks noGrp="1"/>
+          </p:cNvSpPr>
+          <p:nvPr>
+            <p:ph/>
+          </p:nvPr>
+        </p:nvSpPr>
+        <p:spPr>
+          <a:xfrm>
+            <a:off x="360000" y="1080000"/>
+            <a:ext cx="9354600" cy="3594600"/>
+          </a:xfrm>
+          <a:prstGeom prst="rect">
+            <a:avLst/>
+          </a:prstGeom>
+          <a:noFill/>
+          <a:ln w="0">
+            <a:noFill/>
+          </a:ln>
+        </p:spPr>
+        <p:txBody>
+          <a:bodyPr lIns="0" rIns="0" tIns="0" bIns="0" anchor="t">
+            <a:noAutofit/>
+          </a:bodyPr>
+          <a:p>
+            <a:pPr marL="432000" indent="-324000">
+              <a:lnSpc>
+                <a:spcPct val="100000"/>
+              </a:lnSpc>
+              <a:spcBef>
+                <a:spcPts val="1060"/>
+              </a:spcBef>
+              <a:buClr>
+                <a:srgbClr val="77caee"/>
+              </a:buClr>
+              <a:buSzPct val="45000"/>
+              <a:buFont typeface="Wingdings" charset="2"/>
+              <a:buChar char=""/>
+            </a:pPr>
+            <a:r>
+              <a:rPr b="0" lang="en-AU" sz="2800" strike="noStrike" u="none">
+                <a:solidFill>
+                  <a:srgbClr val="009bdd"/>
+                </a:solidFill>
+                <a:effectLst/>
+                <a:uFillTx/>
+                <a:latin typeface="Arial"/>
+              </a:rPr>
+              <a:t>HTML tags were removed from Engineering Q&amp;A set. This resulted in speed-up of ~30% and precision increase ~20%.</a:t>
+            </a:r>
+            <a:endParaRPr b="0" lang="en-AU" sz="2800" strike="noStrike" u="none">
+              <a:solidFill>
+                <a:srgbClr val="000000"/>
+              </a:solidFill>
+              <a:effectLst/>
+              <a:uFillTx/>
+              <a:latin typeface="Arial"/>
+            </a:endParaRPr>
+          </a:p>
+          <a:p>
+            <a:pPr marL="432000" indent="0">
+              <a:lnSpc>
+                <a:spcPct val="100000"/>
+              </a:lnSpc>
+              <a:spcBef>
+                <a:spcPts val="1060"/>
+              </a:spcBef>
+              <a:buNone/>
+            </a:pPr>
+            <a:endParaRPr b="0" lang="en-AU" sz="2800" strike="noStrike" u="none">
+              <a:solidFill>
+                <a:srgbClr val="000000"/>
+              </a:solidFill>
+              <a:effectLst/>
+              <a:uFillTx/>
+              <a:latin typeface="Arial"/>
+            </a:endParaRPr>
+          </a:p>
+        </p:txBody>
+      </p:sp>
+      <p:sp>
+        <p:nvSpPr>
+          <p:cNvPr id="4" name="PlaceHolder 3"/>
+          <p:cNvSpPr>
+            <a:spLocks noGrp="1"/>
+          </p:cNvSpPr>
+          <p:nvPr>
+            <p:ph type="sldNum" idx="3"/>
+          </p:nvPr>
+        </p:nvSpPr>
+        <p:spPr/>
+        <p:txBody>
+          <a:bodyPr/>
+          <a:p>
+            <a:fld id="{FC755D43-5B05-40C7-9B49-3951BEC115ED}" type="slidenum">
+              <a:t>8</a:t>
             </a:fld>
           </a:p>
         </p:txBody>
